--- a/ppt 16-9/1608.荣耀都归祢.pptx
+++ b/ppt 16-9/1608.荣耀都归祢.pptx
@@ -129,7 +129,7 @@
           <p:cNvPr id="2" name="标题 1">
             <a:extLst>
               <a:ext uri="{FF2B5EF4-FFF2-40B4-BE49-F238E27FC236}">
-                <a16:creationId xmlns:a16="http://schemas.microsoft.com/office/drawing/2014/main" id="{EE91696F-2128-E8C1-B16D-06A82346F699}"/>
+                <a16:creationId xmlns:a16="http://schemas.microsoft.com/office/drawing/2014/main" id="{6EB4AA7D-4388-26BA-6782-ECF8DB7F14E7}"/>
               </a:ext>
             </a:extLst>
           </p:cNvPr>
@@ -166,7 +166,7 @@
           <p:cNvPr id="3" name="副标题 2">
             <a:extLst>
               <a:ext uri="{FF2B5EF4-FFF2-40B4-BE49-F238E27FC236}">
-                <a16:creationId xmlns:a16="http://schemas.microsoft.com/office/drawing/2014/main" id="{242DC5C2-B9C1-BB91-235C-7871EB4AB338}"/>
+                <a16:creationId xmlns:a16="http://schemas.microsoft.com/office/drawing/2014/main" id="{261B8963-C210-8B65-0F55-4C7192B26CEF}"/>
               </a:ext>
             </a:extLst>
           </p:cNvPr>
@@ -236,7 +236,7 @@
           <p:cNvPr id="4" name="日期占位符 3">
             <a:extLst>
               <a:ext uri="{FF2B5EF4-FFF2-40B4-BE49-F238E27FC236}">
-                <a16:creationId xmlns:a16="http://schemas.microsoft.com/office/drawing/2014/main" id="{407631D1-6163-DF45-31DF-EB7C773A55A0}"/>
+                <a16:creationId xmlns:a16="http://schemas.microsoft.com/office/drawing/2014/main" id="{DF43863C-E803-EBA0-BA13-E99449D2C0AA}"/>
               </a:ext>
             </a:extLst>
           </p:cNvPr>
@@ -252,7 +252,7 @@
           <a:bodyPr/>
           <a:lstStyle/>
           <a:p>
-            <a:fld id="{169C2A4E-0433-4471-BF3F-4D6783376D00}" type="datetimeFigureOut">
+            <a:fld id="{98DA9A4F-022B-44FE-A926-EBF6C419FA13}" type="datetimeFigureOut">
               <a:rPr lang="zh-CN" altLang="en-US" smtClean="0"/>
               <a:t>2024/3/10</a:t>
             </a:fld>
@@ -265,7 +265,7 @@
           <p:cNvPr id="5" name="页脚占位符 4">
             <a:extLst>
               <a:ext uri="{FF2B5EF4-FFF2-40B4-BE49-F238E27FC236}">
-                <a16:creationId xmlns:a16="http://schemas.microsoft.com/office/drawing/2014/main" id="{E6A7530B-4350-1CB7-D1B2-7C5EC95873D9}"/>
+                <a16:creationId xmlns:a16="http://schemas.microsoft.com/office/drawing/2014/main" id="{C1FCA65A-711A-C3C5-B7FE-435962749110}"/>
               </a:ext>
             </a:extLst>
           </p:cNvPr>
@@ -290,7 +290,7 @@
           <p:cNvPr id="6" name="灯片编号占位符 5">
             <a:extLst>
               <a:ext uri="{FF2B5EF4-FFF2-40B4-BE49-F238E27FC236}">
-                <a16:creationId xmlns:a16="http://schemas.microsoft.com/office/drawing/2014/main" id="{9376F7D4-12AC-50DE-3962-443DB8FAA325}"/>
+                <a16:creationId xmlns:a16="http://schemas.microsoft.com/office/drawing/2014/main" id="{13C0D1DD-7FC3-D1CA-A20C-4C7A71E915A7}"/>
               </a:ext>
             </a:extLst>
           </p:cNvPr>
@@ -306,7 +306,7 @@
           <a:bodyPr/>
           <a:lstStyle/>
           <a:p>
-            <a:fld id="{C90B36DD-C889-44C8-9604-B5CB7D809835}" type="slidenum">
+            <a:fld id="{F8D883A0-6DB2-40CD-A722-C09F53C4E946}" type="slidenum">
               <a:rPr lang="zh-CN" altLang="en-US" smtClean="0"/>
               <a:t>‹#›</a:t>
             </a:fld>
@@ -317,7 +317,7 @@
     </p:spTree>
     <p:extLst>
       <p:ext uri="{BB962C8B-B14F-4D97-AF65-F5344CB8AC3E}">
-        <p14:creationId xmlns:p14="http://schemas.microsoft.com/office/powerpoint/2010/main" val="719529226"/>
+        <p14:creationId xmlns:p14="http://schemas.microsoft.com/office/powerpoint/2010/main" val="3706103088"/>
       </p:ext>
     </p:extLst>
   </p:cSld>
@@ -349,7 +349,7 @@
           <p:cNvPr id="2" name="标题 1">
             <a:extLst>
               <a:ext uri="{FF2B5EF4-FFF2-40B4-BE49-F238E27FC236}">
-                <a16:creationId xmlns:a16="http://schemas.microsoft.com/office/drawing/2014/main" id="{E0141187-4A85-EA62-D268-370CA6E1C1A5}"/>
+                <a16:creationId xmlns:a16="http://schemas.microsoft.com/office/drawing/2014/main" id="{2B6CAE45-9227-0D5C-5E46-3BDCDFC84A5D}"/>
               </a:ext>
             </a:extLst>
           </p:cNvPr>
@@ -377,7 +377,7 @@
           <p:cNvPr id="3" name="竖排文字占位符 2">
             <a:extLst>
               <a:ext uri="{FF2B5EF4-FFF2-40B4-BE49-F238E27FC236}">
-                <a16:creationId xmlns:a16="http://schemas.microsoft.com/office/drawing/2014/main" id="{CF4CFFF9-624A-3877-C75C-CFA85FD73EAE}"/>
+                <a16:creationId xmlns:a16="http://schemas.microsoft.com/office/drawing/2014/main" id="{B972686B-1078-B05A-9E52-B253F6524A00}"/>
               </a:ext>
             </a:extLst>
           </p:cNvPr>
@@ -434,7 +434,7 @@
           <p:cNvPr id="4" name="日期占位符 3">
             <a:extLst>
               <a:ext uri="{FF2B5EF4-FFF2-40B4-BE49-F238E27FC236}">
-                <a16:creationId xmlns:a16="http://schemas.microsoft.com/office/drawing/2014/main" id="{F2CBD19D-C878-3CDA-043D-093DA132F787}"/>
+                <a16:creationId xmlns:a16="http://schemas.microsoft.com/office/drawing/2014/main" id="{54252044-363A-8AE0-A475-558E53852E98}"/>
               </a:ext>
             </a:extLst>
           </p:cNvPr>
@@ -450,7 +450,7 @@
           <a:bodyPr/>
           <a:lstStyle/>
           <a:p>
-            <a:fld id="{169C2A4E-0433-4471-BF3F-4D6783376D00}" type="datetimeFigureOut">
+            <a:fld id="{98DA9A4F-022B-44FE-A926-EBF6C419FA13}" type="datetimeFigureOut">
               <a:rPr lang="zh-CN" altLang="en-US" smtClean="0"/>
               <a:t>2024/3/10</a:t>
             </a:fld>
@@ -463,7 +463,7 @@
           <p:cNvPr id="5" name="页脚占位符 4">
             <a:extLst>
               <a:ext uri="{FF2B5EF4-FFF2-40B4-BE49-F238E27FC236}">
-                <a16:creationId xmlns:a16="http://schemas.microsoft.com/office/drawing/2014/main" id="{D3214C6E-69AE-556B-D8C1-07652A896DEB}"/>
+                <a16:creationId xmlns:a16="http://schemas.microsoft.com/office/drawing/2014/main" id="{828A0153-846C-845E-FAA2-363937961636}"/>
               </a:ext>
             </a:extLst>
           </p:cNvPr>
@@ -488,7 +488,7 @@
           <p:cNvPr id="6" name="灯片编号占位符 5">
             <a:extLst>
               <a:ext uri="{FF2B5EF4-FFF2-40B4-BE49-F238E27FC236}">
-                <a16:creationId xmlns:a16="http://schemas.microsoft.com/office/drawing/2014/main" id="{0B5C585B-02F7-89E5-01FD-46BF027C9802}"/>
+                <a16:creationId xmlns:a16="http://schemas.microsoft.com/office/drawing/2014/main" id="{DEF2E652-E34D-F167-7B01-3B0259D29A88}"/>
               </a:ext>
             </a:extLst>
           </p:cNvPr>
@@ -504,7 +504,7 @@
           <a:bodyPr/>
           <a:lstStyle/>
           <a:p>
-            <a:fld id="{C90B36DD-C889-44C8-9604-B5CB7D809835}" type="slidenum">
+            <a:fld id="{F8D883A0-6DB2-40CD-A722-C09F53C4E946}" type="slidenum">
               <a:rPr lang="zh-CN" altLang="en-US" smtClean="0"/>
               <a:t>‹#›</a:t>
             </a:fld>
@@ -515,7 +515,7 @@
     </p:spTree>
     <p:extLst>
       <p:ext uri="{BB962C8B-B14F-4D97-AF65-F5344CB8AC3E}">
-        <p14:creationId xmlns:p14="http://schemas.microsoft.com/office/powerpoint/2010/main" val="1679937861"/>
+        <p14:creationId xmlns:p14="http://schemas.microsoft.com/office/powerpoint/2010/main" val="40082326"/>
       </p:ext>
     </p:extLst>
   </p:cSld>
@@ -547,7 +547,7 @@
           <p:cNvPr id="2" name="竖排标题 1">
             <a:extLst>
               <a:ext uri="{FF2B5EF4-FFF2-40B4-BE49-F238E27FC236}">
-                <a16:creationId xmlns:a16="http://schemas.microsoft.com/office/drawing/2014/main" id="{46644DB8-B1A2-8F6E-A6A5-E765F6AC3F22}"/>
+                <a16:creationId xmlns:a16="http://schemas.microsoft.com/office/drawing/2014/main" id="{80A330CB-B7D0-4061-5874-2B593EFC7A96}"/>
               </a:ext>
             </a:extLst>
           </p:cNvPr>
@@ -580,7 +580,7 @@
           <p:cNvPr id="3" name="竖排文字占位符 2">
             <a:extLst>
               <a:ext uri="{FF2B5EF4-FFF2-40B4-BE49-F238E27FC236}">
-                <a16:creationId xmlns:a16="http://schemas.microsoft.com/office/drawing/2014/main" id="{D90D785B-7FB1-C5F4-4DE7-738B4A58BB07}"/>
+                <a16:creationId xmlns:a16="http://schemas.microsoft.com/office/drawing/2014/main" id="{545F61CB-0138-091D-69EE-D8B8C1F9FB22}"/>
               </a:ext>
             </a:extLst>
           </p:cNvPr>
@@ -642,7 +642,7 @@
           <p:cNvPr id="4" name="日期占位符 3">
             <a:extLst>
               <a:ext uri="{FF2B5EF4-FFF2-40B4-BE49-F238E27FC236}">
-                <a16:creationId xmlns:a16="http://schemas.microsoft.com/office/drawing/2014/main" id="{740ECE29-0867-0B2E-795B-6DE0D5EF6F6C}"/>
+                <a16:creationId xmlns:a16="http://schemas.microsoft.com/office/drawing/2014/main" id="{B6563AC0-4943-402D-84C2-877ECD1AE6A9}"/>
               </a:ext>
             </a:extLst>
           </p:cNvPr>
@@ -658,7 +658,7 @@
           <a:bodyPr/>
           <a:lstStyle/>
           <a:p>
-            <a:fld id="{169C2A4E-0433-4471-BF3F-4D6783376D00}" type="datetimeFigureOut">
+            <a:fld id="{98DA9A4F-022B-44FE-A926-EBF6C419FA13}" type="datetimeFigureOut">
               <a:rPr lang="zh-CN" altLang="en-US" smtClean="0"/>
               <a:t>2024/3/10</a:t>
             </a:fld>
@@ -671,7 +671,7 @@
           <p:cNvPr id="5" name="页脚占位符 4">
             <a:extLst>
               <a:ext uri="{FF2B5EF4-FFF2-40B4-BE49-F238E27FC236}">
-                <a16:creationId xmlns:a16="http://schemas.microsoft.com/office/drawing/2014/main" id="{4F3FE6ED-F3BD-87C9-0DC9-05BB129D6FA4}"/>
+                <a16:creationId xmlns:a16="http://schemas.microsoft.com/office/drawing/2014/main" id="{8B410F20-8729-BA44-4C8C-119614B88AAC}"/>
               </a:ext>
             </a:extLst>
           </p:cNvPr>
@@ -696,7 +696,7 @@
           <p:cNvPr id="6" name="灯片编号占位符 5">
             <a:extLst>
               <a:ext uri="{FF2B5EF4-FFF2-40B4-BE49-F238E27FC236}">
-                <a16:creationId xmlns:a16="http://schemas.microsoft.com/office/drawing/2014/main" id="{F3EF58FC-9A23-5A0D-D7F2-ED64E7A26F9D}"/>
+                <a16:creationId xmlns:a16="http://schemas.microsoft.com/office/drawing/2014/main" id="{FE1A199B-F238-EC75-DF3E-4EF8570C9743}"/>
               </a:ext>
             </a:extLst>
           </p:cNvPr>
@@ -712,7 +712,7 @@
           <a:bodyPr/>
           <a:lstStyle/>
           <a:p>
-            <a:fld id="{C90B36DD-C889-44C8-9604-B5CB7D809835}" type="slidenum">
+            <a:fld id="{F8D883A0-6DB2-40CD-A722-C09F53C4E946}" type="slidenum">
               <a:rPr lang="zh-CN" altLang="en-US" smtClean="0"/>
               <a:t>‹#›</a:t>
             </a:fld>
@@ -723,7 +723,7 @@
     </p:spTree>
     <p:extLst>
       <p:ext uri="{BB962C8B-B14F-4D97-AF65-F5344CB8AC3E}">
-        <p14:creationId xmlns:p14="http://schemas.microsoft.com/office/powerpoint/2010/main" val="4098000067"/>
+        <p14:creationId xmlns:p14="http://schemas.microsoft.com/office/powerpoint/2010/main" val="2301036961"/>
       </p:ext>
     </p:extLst>
   </p:cSld>
@@ -755,7 +755,7 @@
           <p:cNvPr id="2" name="标题 1">
             <a:extLst>
               <a:ext uri="{FF2B5EF4-FFF2-40B4-BE49-F238E27FC236}">
-                <a16:creationId xmlns:a16="http://schemas.microsoft.com/office/drawing/2014/main" id="{3048AC86-1F11-A5BE-6AEE-324BC9E26A7E}"/>
+                <a16:creationId xmlns:a16="http://schemas.microsoft.com/office/drawing/2014/main" id="{2EB8E7E3-EE11-9437-35C5-1F77C4ABC47D}"/>
               </a:ext>
             </a:extLst>
           </p:cNvPr>
@@ -783,7 +783,7 @@
           <p:cNvPr id="3" name="内容占位符 2">
             <a:extLst>
               <a:ext uri="{FF2B5EF4-FFF2-40B4-BE49-F238E27FC236}">
-                <a16:creationId xmlns:a16="http://schemas.microsoft.com/office/drawing/2014/main" id="{25429C3D-32DF-C4A1-2ADC-58FB86A18438}"/>
+                <a16:creationId xmlns:a16="http://schemas.microsoft.com/office/drawing/2014/main" id="{38522F75-2D3F-6B5F-3EB9-DD7B3417639B}"/>
               </a:ext>
             </a:extLst>
           </p:cNvPr>
@@ -840,7 +840,7 @@
           <p:cNvPr id="4" name="日期占位符 3">
             <a:extLst>
               <a:ext uri="{FF2B5EF4-FFF2-40B4-BE49-F238E27FC236}">
-                <a16:creationId xmlns:a16="http://schemas.microsoft.com/office/drawing/2014/main" id="{177D2C3C-9C96-2C99-59FD-F969B6DC12B7}"/>
+                <a16:creationId xmlns:a16="http://schemas.microsoft.com/office/drawing/2014/main" id="{CF22136C-E5F9-D327-E501-8D02FA6C12F8}"/>
               </a:ext>
             </a:extLst>
           </p:cNvPr>
@@ -856,7 +856,7 @@
           <a:bodyPr/>
           <a:lstStyle/>
           <a:p>
-            <a:fld id="{169C2A4E-0433-4471-BF3F-4D6783376D00}" type="datetimeFigureOut">
+            <a:fld id="{98DA9A4F-022B-44FE-A926-EBF6C419FA13}" type="datetimeFigureOut">
               <a:rPr lang="zh-CN" altLang="en-US" smtClean="0"/>
               <a:t>2024/3/10</a:t>
             </a:fld>
@@ -869,7 +869,7 @@
           <p:cNvPr id="5" name="页脚占位符 4">
             <a:extLst>
               <a:ext uri="{FF2B5EF4-FFF2-40B4-BE49-F238E27FC236}">
-                <a16:creationId xmlns:a16="http://schemas.microsoft.com/office/drawing/2014/main" id="{D9E9A33B-E0D8-DB5C-2958-04488AC9C463}"/>
+                <a16:creationId xmlns:a16="http://schemas.microsoft.com/office/drawing/2014/main" id="{E8F4BCBB-D5C0-31C0-6D76-C651EE199993}"/>
               </a:ext>
             </a:extLst>
           </p:cNvPr>
@@ -894,7 +894,7 @@
           <p:cNvPr id="6" name="灯片编号占位符 5">
             <a:extLst>
               <a:ext uri="{FF2B5EF4-FFF2-40B4-BE49-F238E27FC236}">
-                <a16:creationId xmlns:a16="http://schemas.microsoft.com/office/drawing/2014/main" id="{E05DEF98-09A9-85E2-F4B1-2C00BF4007C0}"/>
+                <a16:creationId xmlns:a16="http://schemas.microsoft.com/office/drawing/2014/main" id="{4B5B9526-AB80-38B9-D7C6-201A42C88639}"/>
               </a:ext>
             </a:extLst>
           </p:cNvPr>
@@ -910,7 +910,7 @@
           <a:bodyPr/>
           <a:lstStyle/>
           <a:p>
-            <a:fld id="{C90B36DD-C889-44C8-9604-B5CB7D809835}" type="slidenum">
+            <a:fld id="{F8D883A0-6DB2-40CD-A722-C09F53C4E946}" type="slidenum">
               <a:rPr lang="zh-CN" altLang="en-US" smtClean="0"/>
               <a:t>‹#›</a:t>
             </a:fld>
@@ -921,7 +921,7 @@
     </p:spTree>
     <p:extLst>
       <p:ext uri="{BB962C8B-B14F-4D97-AF65-F5344CB8AC3E}">
-        <p14:creationId xmlns:p14="http://schemas.microsoft.com/office/powerpoint/2010/main" val="3858371010"/>
+        <p14:creationId xmlns:p14="http://schemas.microsoft.com/office/powerpoint/2010/main" val="376337051"/>
       </p:ext>
     </p:extLst>
   </p:cSld>
@@ -953,7 +953,7 @@
           <p:cNvPr id="2" name="标题 1">
             <a:extLst>
               <a:ext uri="{FF2B5EF4-FFF2-40B4-BE49-F238E27FC236}">
-                <a16:creationId xmlns:a16="http://schemas.microsoft.com/office/drawing/2014/main" id="{17FDAF09-9FD1-9912-00E4-915900E0BDCF}"/>
+                <a16:creationId xmlns:a16="http://schemas.microsoft.com/office/drawing/2014/main" id="{0A1BEF58-35D7-FDA8-4334-043D46C99749}"/>
               </a:ext>
             </a:extLst>
           </p:cNvPr>
@@ -990,7 +990,7 @@
           <p:cNvPr id="3" name="文本占位符 2">
             <a:extLst>
               <a:ext uri="{FF2B5EF4-FFF2-40B4-BE49-F238E27FC236}">
-                <a16:creationId xmlns:a16="http://schemas.microsoft.com/office/drawing/2014/main" id="{7D62F163-433C-7689-E0CD-76CEBA040731}"/>
+                <a16:creationId xmlns:a16="http://schemas.microsoft.com/office/drawing/2014/main" id="{2694B34C-67A1-E6AC-140D-832B3100F0B5}"/>
               </a:ext>
             </a:extLst>
           </p:cNvPr>
@@ -1115,7 +1115,7 @@
           <p:cNvPr id="4" name="日期占位符 3">
             <a:extLst>
               <a:ext uri="{FF2B5EF4-FFF2-40B4-BE49-F238E27FC236}">
-                <a16:creationId xmlns:a16="http://schemas.microsoft.com/office/drawing/2014/main" id="{B16F00F4-FBAD-0048-BF76-8F7596F97797}"/>
+                <a16:creationId xmlns:a16="http://schemas.microsoft.com/office/drawing/2014/main" id="{1DDF86EB-55AD-874C-6047-6A0ADB74BBDA}"/>
               </a:ext>
             </a:extLst>
           </p:cNvPr>
@@ -1131,7 +1131,7 @@
           <a:bodyPr/>
           <a:lstStyle/>
           <a:p>
-            <a:fld id="{169C2A4E-0433-4471-BF3F-4D6783376D00}" type="datetimeFigureOut">
+            <a:fld id="{98DA9A4F-022B-44FE-A926-EBF6C419FA13}" type="datetimeFigureOut">
               <a:rPr lang="zh-CN" altLang="en-US" smtClean="0"/>
               <a:t>2024/3/10</a:t>
             </a:fld>
@@ -1144,7 +1144,7 @@
           <p:cNvPr id="5" name="页脚占位符 4">
             <a:extLst>
               <a:ext uri="{FF2B5EF4-FFF2-40B4-BE49-F238E27FC236}">
-                <a16:creationId xmlns:a16="http://schemas.microsoft.com/office/drawing/2014/main" id="{96720D57-54E8-1C9E-FDC9-61DCE7A8533F}"/>
+                <a16:creationId xmlns:a16="http://schemas.microsoft.com/office/drawing/2014/main" id="{448EBBC6-6044-B978-4C7E-C1E54E6B1BB7}"/>
               </a:ext>
             </a:extLst>
           </p:cNvPr>
@@ -1169,7 +1169,7 @@
           <p:cNvPr id="6" name="灯片编号占位符 5">
             <a:extLst>
               <a:ext uri="{FF2B5EF4-FFF2-40B4-BE49-F238E27FC236}">
-                <a16:creationId xmlns:a16="http://schemas.microsoft.com/office/drawing/2014/main" id="{0A29E673-7FFC-2B31-9035-92B3001B2CCA}"/>
+                <a16:creationId xmlns:a16="http://schemas.microsoft.com/office/drawing/2014/main" id="{6C0F5C9F-6A4F-A292-DBA9-57A695B1CB10}"/>
               </a:ext>
             </a:extLst>
           </p:cNvPr>
@@ -1185,7 +1185,7 @@
           <a:bodyPr/>
           <a:lstStyle/>
           <a:p>
-            <a:fld id="{C90B36DD-C889-44C8-9604-B5CB7D809835}" type="slidenum">
+            <a:fld id="{F8D883A0-6DB2-40CD-A722-C09F53C4E946}" type="slidenum">
               <a:rPr lang="zh-CN" altLang="en-US" smtClean="0"/>
               <a:t>‹#›</a:t>
             </a:fld>
@@ -1196,7 +1196,7 @@
     </p:spTree>
     <p:extLst>
       <p:ext uri="{BB962C8B-B14F-4D97-AF65-F5344CB8AC3E}">
-        <p14:creationId xmlns:p14="http://schemas.microsoft.com/office/powerpoint/2010/main" val="2058316650"/>
+        <p14:creationId xmlns:p14="http://schemas.microsoft.com/office/powerpoint/2010/main" val="2421168366"/>
       </p:ext>
     </p:extLst>
   </p:cSld>
@@ -1228,7 +1228,7 @@
           <p:cNvPr id="2" name="标题 1">
             <a:extLst>
               <a:ext uri="{FF2B5EF4-FFF2-40B4-BE49-F238E27FC236}">
-                <a16:creationId xmlns:a16="http://schemas.microsoft.com/office/drawing/2014/main" id="{B06F8548-B09F-5177-11F1-E4830CFA6AC4}"/>
+                <a16:creationId xmlns:a16="http://schemas.microsoft.com/office/drawing/2014/main" id="{CE65FD7D-5903-5976-7D6F-E96BCB146C7F}"/>
               </a:ext>
             </a:extLst>
           </p:cNvPr>
@@ -1256,7 +1256,7 @@
           <p:cNvPr id="3" name="内容占位符 2">
             <a:extLst>
               <a:ext uri="{FF2B5EF4-FFF2-40B4-BE49-F238E27FC236}">
-                <a16:creationId xmlns:a16="http://schemas.microsoft.com/office/drawing/2014/main" id="{1D33B22D-DBB4-26D0-A99C-12FE38DC7D74}"/>
+                <a16:creationId xmlns:a16="http://schemas.microsoft.com/office/drawing/2014/main" id="{89FBC0C6-F94A-9047-E58F-5E6D58428A11}"/>
               </a:ext>
             </a:extLst>
           </p:cNvPr>
@@ -1318,7 +1318,7 @@
           <p:cNvPr id="4" name="内容占位符 3">
             <a:extLst>
               <a:ext uri="{FF2B5EF4-FFF2-40B4-BE49-F238E27FC236}">
-                <a16:creationId xmlns:a16="http://schemas.microsoft.com/office/drawing/2014/main" id="{D487EC97-10BD-6DC3-C980-F2B759B2D0BB}"/>
+                <a16:creationId xmlns:a16="http://schemas.microsoft.com/office/drawing/2014/main" id="{E9BC9FE5-3440-DED2-6136-8E4595BDFEC4}"/>
               </a:ext>
             </a:extLst>
           </p:cNvPr>
@@ -1380,7 +1380,7 @@
           <p:cNvPr id="5" name="日期占位符 4">
             <a:extLst>
               <a:ext uri="{FF2B5EF4-FFF2-40B4-BE49-F238E27FC236}">
-                <a16:creationId xmlns:a16="http://schemas.microsoft.com/office/drawing/2014/main" id="{7C6EAEEA-F858-0CE0-52EE-D7FCDC1797B5}"/>
+                <a16:creationId xmlns:a16="http://schemas.microsoft.com/office/drawing/2014/main" id="{F010FA6E-E448-6FCD-BDF2-3D10E6EA1222}"/>
               </a:ext>
             </a:extLst>
           </p:cNvPr>
@@ -1396,7 +1396,7 @@
           <a:bodyPr/>
           <a:lstStyle/>
           <a:p>
-            <a:fld id="{169C2A4E-0433-4471-BF3F-4D6783376D00}" type="datetimeFigureOut">
+            <a:fld id="{98DA9A4F-022B-44FE-A926-EBF6C419FA13}" type="datetimeFigureOut">
               <a:rPr lang="zh-CN" altLang="en-US" smtClean="0"/>
               <a:t>2024/3/10</a:t>
             </a:fld>
@@ -1409,7 +1409,7 @@
           <p:cNvPr id="6" name="页脚占位符 5">
             <a:extLst>
               <a:ext uri="{FF2B5EF4-FFF2-40B4-BE49-F238E27FC236}">
-                <a16:creationId xmlns:a16="http://schemas.microsoft.com/office/drawing/2014/main" id="{D5F173A3-4BE3-5F4B-0BAF-0BF78F10DF17}"/>
+                <a16:creationId xmlns:a16="http://schemas.microsoft.com/office/drawing/2014/main" id="{FFE41962-879B-4558-61B4-B0F01B0BCA97}"/>
               </a:ext>
             </a:extLst>
           </p:cNvPr>
@@ -1434,7 +1434,7 @@
           <p:cNvPr id="7" name="灯片编号占位符 6">
             <a:extLst>
               <a:ext uri="{FF2B5EF4-FFF2-40B4-BE49-F238E27FC236}">
-                <a16:creationId xmlns:a16="http://schemas.microsoft.com/office/drawing/2014/main" id="{3080874A-68A0-9BC3-18B5-BB3AB78D9952}"/>
+                <a16:creationId xmlns:a16="http://schemas.microsoft.com/office/drawing/2014/main" id="{3C981BD3-2054-F70B-D9A9-3F1897B8B152}"/>
               </a:ext>
             </a:extLst>
           </p:cNvPr>
@@ -1450,7 +1450,7 @@
           <a:bodyPr/>
           <a:lstStyle/>
           <a:p>
-            <a:fld id="{C90B36DD-C889-44C8-9604-B5CB7D809835}" type="slidenum">
+            <a:fld id="{F8D883A0-6DB2-40CD-A722-C09F53C4E946}" type="slidenum">
               <a:rPr lang="zh-CN" altLang="en-US" smtClean="0"/>
               <a:t>‹#›</a:t>
             </a:fld>
@@ -1461,7 +1461,7 @@
     </p:spTree>
     <p:extLst>
       <p:ext uri="{BB962C8B-B14F-4D97-AF65-F5344CB8AC3E}">
-        <p14:creationId xmlns:p14="http://schemas.microsoft.com/office/powerpoint/2010/main" val="3956761305"/>
+        <p14:creationId xmlns:p14="http://schemas.microsoft.com/office/powerpoint/2010/main" val="776022260"/>
       </p:ext>
     </p:extLst>
   </p:cSld>
@@ -1493,7 +1493,7 @@
           <p:cNvPr id="2" name="标题 1">
             <a:extLst>
               <a:ext uri="{FF2B5EF4-FFF2-40B4-BE49-F238E27FC236}">
-                <a16:creationId xmlns:a16="http://schemas.microsoft.com/office/drawing/2014/main" id="{00D301FF-B4DD-1647-2C6B-C40C5DFF026A}"/>
+                <a16:creationId xmlns:a16="http://schemas.microsoft.com/office/drawing/2014/main" id="{B3ECDE32-1908-BFAF-82BA-8EDB24FB5461}"/>
               </a:ext>
             </a:extLst>
           </p:cNvPr>
@@ -1526,7 +1526,7 @@
           <p:cNvPr id="3" name="文本占位符 2">
             <a:extLst>
               <a:ext uri="{FF2B5EF4-FFF2-40B4-BE49-F238E27FC236}">
-                <a16:creationId xmlns:a16="http://schemas.microsoft.com/office/drawing/2014/main" id="{35F0762E-5E7F-E046-D506-B206CE9EC900}"/>
+                <a16:creationId xmlns:a16="http://schemas.microsoft.com/office/drawing/2014/main" id="{E41F7AC7-EC6D-9CE3-BC23-47B735B073BC}"/>
               </a:ext>
             </a:extLst>
           </p:cNvPr>
@@ -1597,7 +1597,7 @@
           <p:cNvPr id="4" name="内容占位符 3">
             <a:extLst>
               <a:ext uri="{FF2B5EF4-FFF2-40B4-BE49-F238E27FC236}">
-                <a16:creationId xmlns:a16="http://schemas.microsoft.com/office/drawing/2014/main" id="{EE49F029-4CF2-BFAB-BB90-E62EEC7CA1E8}"/>
+                <a16:creationId xmlns:a16="http://schemas.microsoft.com/office/drawing/2014/main" id="{E2C3EE72-4735-0EB2-B597-7D0E79889018}"/>
               </a:ext>
             </a:extLst>
           </p:cNvPr>
@@ -1659,7 +1659,7 @@
           <p:cNvPr id="5" name="文本占位符 4">
             <a:extLst>
               <a:ext uri="{FF2B5EF4-FFF2-40B4-BE49-F238E27FC236}">
-                <a16:creationId xmlns:a16="http://schemas.microsoft.com/office/drawing/2014/main" id="{00280716-6B55-9D61-A093-9D552E2EDB60}"/>
+                <a16:creationId xmlns:a16="http://schemas.microsoft.com/office/drawing/2014/main" id="{AFDD9106-C47B-371C-7AFE-067E45E553AC}"/>
               </a:ext>
             </a:extLst>
           </p:cNvPr>
@@ -1730,7 +1730,7 @@
           <p:cNvPr id="6" name="内容占位符 5">
             <a:extLst>
               <a:ext uri="{FF2B5EF4-FFF2-40B4-BE49-F238E27FC236}">
-                <a16:creationId xmlns:a16="http://schemas.microsoft.com/office/drawing/2014/main" id="{EC612F6F-C541-15C8-78D2-A5000034EBE4}"/>
+                <a16:creationId xmlns:a16="http://schemas.microsoft.com/office/drawing/2014/main" id="{D85C3581-26E1-CAFC-6644-7BA47B64D7A2}"/>
               </a:ext>
             </a:extLst>
           </p:cNvPr>
@@ -1792,7 +1792,7 @@
           <p:cNvPr id="7" name="日期占位符 6">
             <a:extLst>
               <a:ext uri="{FF2B5EF4-FFF2-40B4-BE49-F238E27FC236}">
-                <a16:creationId xmlns:a16="http://schemas.microsoft.com/office/drawing/2014/main" id="{D471E5C9-F73A-A629-3157-08614BFE6B99}"/>
+                <a16:creationId xmlns:a16="http://schemas.microsoft.com/office/drawing/2014/main" id="{377A547C-5D4E-2091-E7D8-4FD0140C46AC}"/>
               </a:ext>
             </a:extLst>
           </p:cNvPr>
@@ -1808,7 +1808,7 @@
           <a:bodyPr/>
           <a:lstStyle/>
           <a:p>
-            <a:fld id="{169C2A4E-0433-4471-BF3F-4D6783376D00}" type="datetimeFigureOut">
+            <a:fld id="{98DA9A4F-022B-44FE-A926-EBF6C419FA13}" type="datetimeFigureOut">
               <a:rPr lang="zh-CN" altLang="en-US" smtClean="0"/>
               <a:t>2024/3/10</a:t>
             </a:fld>
@@ -1821,7 +1821,7 @@
           <p:cNvPr id="8" name="页脚占位符 7">
             <a:extLst>
               <a:ext uri="{FF2B5EF4-FFF2-40B4-BE49-F238E27FC236}">
-                <a16:creationId xmlns:a16="http://schemas.microsoft.com/office/drawing/2014/main" id="{0EEF08E0-AA75-CEAD-0E7D-5BD35420123B}"/>
+                <a16:creationId xmlns:a16="http://schemas.microsoft.com/office/drawing/2014/main" id="{73592765-417C-058A-0221-C83E9BA85450}"/>
               </a:ext>
             </a:extLst>
           </p:cNvPr>
@@ -1846,7 +1846,7 @@
           <p:cNvPr id="9" name="灯片编号占位符 8">
             <a:extLst>
               <a:ext uri="{FF2B5EF4-FFF2-40B4-BE49-F238E27FC236}">
-                <a16:creationId xmlns:a16="http://schemas.microsoft.com/office/drawing/2014/main" id="{0E13221F-5ED4-A1A2-0E9D-553F592DC22A}"/>
+                <a16:creationId xmlns:a16="http://schemas.microsoft.com/office/drawing/2014/main" id="{2269C445-6A9D-029C-EBA4-C9E280375339}"/>
               </a:ext>
             </a:extLst>
           </p:cNvPr>
@@ -1862,7 +1862,7 @@
           <a:bodyPr/>
           <a:lstStyle/>
           <a:p>
-            <a:fld id="{C90B36DD-C889-44C8-9604-B5CB7D809835}" type="slidenum">
+            <a:fld id="{F8D883A0-6DB2-40CD-A722-C09F53C4E946}" type="slidenum">
               <a:rPr lang="zh-CN" altLang="en-US" smtClean="0"/>
               <a:t>‹#›</a:t>
             </a:fld>
@@ -1873,7 +1873,7 @@
     </p:spTree>
     <p:extLst>
       <p:ext uri="{BB962C8B-B14F-4D97-AF65-F5344CB8AC3E}">
-        <p14:creationId xmlns:p14="http://schemas.microsoft.com/office/powerpoint/2010/main" val="2983768417"/>
+        <p14:creationId xmlns:p14="http://schemas.microsoft.com/office/powerpoint/2010/main" val="75016232"/>
       </p:ext>
     </p:extLst>
   </p:cSld>
@@ -1905,7 +1905,7 @@
           <p:cNvPr id="2" name="标题 1">
             <a:extLst>
               <a:ext uri="{FF2B5EF4-FFF2-40B4-BE49-F238E27FC236}">
-                <a16:creationId xmlns:a16="http://schemas.microsoft.com/office/drawing/2014/main" id="{DF9807E8-769C-76E9-091E-F70164721B40}"/>
+                <a16:creationId xmlns:a16="http://schemas.microsoft.com/office/drawing/2014/main" id="{5549122F-F292-E0B1-F2C0-F8B035C59DE4}"/>
               </a:ext>
             </a:extLst>
           </p:cNvPr>
@@ -1933,7 +1933,7 @@
           <p:cNvPr id="3" name="日期占位符 2">
             <a:extLst>
               <a:ext uri="{FF2B5EF4-FFF2-40B4-BE49-F238E27FC236}">
-                <a16:creationId xmlns:a16="http://schemas.microsoft.com/office/drawing/2014/main" id="{091A4AC5-3792-E3A5-E2FA-84D328D55F65}"/>
+                <a16:creationId xmlns:a16="http://schemas.microsoft.com/office/drawing/2014/main" id="{EF8E22BA-B1EF-7B81-271E-5DB5C2D38DA6}"/>
               </a:ext>
             </a:extLst>
           </p:cNvPr>
@@ -1949,7 +1949,7 @@
           <a:bodyPr/>
           <a:lstStyle/>
           <a:p>
-            <a:fld id="{169C2A4E-0433-4471-BF3F-4D6783376D00}" type="datetimeFigureOut">
+            <a:fld id="{98DA9A4F-022B-44FE-A926-EBF6C419FA13}" type="datetimeFigureOut">
               <a:rPr lang="zh-CN" altLang="en-US" smtClean="0"/>
               <a:t>2024/3/10</a:t>
             </a:fld>
@@ -1962,7 +1962,7 @@
           <p:cNvPr id="4" name="页脚占位符 3">
             <a:extLst>
               <a:ext uri="{FF2B5EF4-FFF2-40B4-BE49-F238E27FC236}">
-                <a16:creationId xmlns:a16="http://schemas.microsoft.com/office/drawing/2014/main" id="{191CF793-7F03-5D91-7B38-761002712103}"/>
+                <a16:creationId xmlns:a16="http://schemas.microsoft.com/office/drawing/2014/main" id="{34AC6B68-38FF-0CF5-4B58-2FD90671F1CB}"/>
               </a:ext>
             </a:extLst>
           </p:cNvPr>
@@ -1987,7 +1987,7 @@
           <p:cNvPr id="5" name="灯片编号占位符 4">
             <a:extLst>
               <a:ext uri="{FF2B5EF4-FFF2-40B4-BE49-F238E27FC236}">
-                <a16:creationId xmlns:a16="http://schemas.microsoft.com/office/drawing/2014/main" id="{84D83455-E924-B44B-4CF8-E4DC5F5DCDDA}"/>
+                <a16:creationId xmlns:a16="http://schemas.microsoft.com/office/drawing/2014/main" id="{E52C7F64-398F-8F8A-E79A-218093DA38DB}"/>
               </a:ext>
             </a:extLst>
           </p:cNvPr>
@@ -2003,7 +2003,7 @@
           <a:bodyPr/>
           <a:lstStyle/>
           <a:p>
-            <a:fld id="{C90B36DD-C889-44C8-9604-B5CB7D809835}" type="slidenum">
+            <a:fld id="{F8D883A0-6DB2-40CD-A722-C09F53C4E946}" type="slidenum">
               <a:rPr lang="zh-CN" altLang="en-US" smtClean="0"/>
               <a:t>‹#›</a:t>
             </a:fld>
@@ -2014,7 +2014,7 @@
     </p:spTree>
     <p:extLst>
       <p:ext uri="{BB962C8B-B14F-4D97-AF65-F5344CB8AC3E}">
-        <p14:creationId xmlns:p14="http://schemas.microsoft.com/office/powerpoint/2010/main" val="1559823645"/>
+        <p14:creationId xmlns:p14="http://schemas.microsoft.com/office/powerpoint/2010/main" val="4266290729"/>
       </p:ext>
     </p:extLst>
   </p:cSld>
@@ -2046,7 +2046,7 @@
           <p:cNvPr id="2" name="日期占位符 1">
             <a:extLst>
               <a:ext uri="{FF2B5EF4-FFF2-40B4-BE49-F238E27FC236}">
-                <a16:creationId xmlns:a16="http://schemas.microsoft.com/office/drawing/2014/main" id="{DB734840-7F13-6CAC-58F8-BD0A7EE45A7C}"/>
+                <a16:creationId xmlns:a16="http://schemas.microsoft.com/office/drawing/2014/main" id="{6A3804C4-56F5-33FE-8A88-96AAD5C4229B}"/>
               </a:ext>
             </a:extLst>
           </p:cNvPr>
@@ -2062,7 +2062,7 @@
           <a:bodyPr/>
           <a:lstStyle/>
           <a:p>
-            <a:fld id="{169C2A4E-0433-4471-BF3F-4D6783376D00}" type="datetimeFigureOut">
+            <a:fld id="{98DA9A4F-022B-44FE-A926-EBF6C419FA13}" type="datetimeFigureOut">
               <a:rPr lang="zh-CN" altLang="en-US" smtClean="0"/>
               <a:t>2024/3/10</a:t>
             </a:fld>
@@ -2075,7 +2075,7 @@
           <p:cNvPr id="3" name="页脚占位符 2">
             <a:extLst>
               <a:ext uri="{FF2B5EF4-FFF2-40B4-BE49-F238E27FC236}">
-                <a16:creationId xmlns:a16="http://schemas.microsoft.com/office/drawing/2014/main" id="{94B87010-8DF8-8732-8D04-DA604C3F021D}"/>
+                <a16:creationId xmlns:a16="http://schemas.microsoft.com/office/drawing/2014/main" id="{F0CBDC9F-146C-63AA-D0F3-47C8A9C66795}"/>
               </a:ext>
             </a:extLst>
           </p:cNvPr>
@@ -2100,7 +2100,7 @@
           <p:cNvPr id="4" name="灯片编号占位符 3">
             <a:extLst>
               <a:ext uri="{FF2B5EF4-FFF2-40B4-BE49-F238E27FC236}">
-                <a16:creationId xmlns:a16="http://schemas.microsoft.com/office/drawing/2014/main" id="{172011D3-870B-AFE6-DCC4-C77BA9A4ADCC}"/>
+                <a16:creationId xmlns:a16="http://schemas.microsoft.com/office/drawing/2014/main" id="{FDB87BFC-E885-0AC7-EA8C-B5FA585E5CF1}"/>
               </a:ext>
             </a:extLst>
           </p:cNvPr>
@@ -2116,7 +2116,7 @@
           <a:bodyPr/>
           <a:lstStyle/>
           <a:p>
-            <a:fld id="{C90B36DD-C889-44C8-9604-B5CB7D809835}" type="slidenum">
+            <a:fld id="{F8D883A0-6DB2-40CD-A722-C09F53C4E946}" type="slidenum">
               <a:rPr lang="zh-CN" altLang="en-US" smtClean="0"/>
               <a:t>‹#›</a:t>
             </a:fld>
@@ -2127,7 +2127,7 @@
     </p:spTree>
     <p:extLst>
       <p:ext uri="{BB962C8B-B14F-4D97-AF65-F5344CB8AC3E}">
-        <p14:creationId xmlns:p14="http://schemas.microsoft.com/office/powerpoint/2010/main" val="390010229"/>
+        <p14:creationId xmlns:p14="http://schemas.microsoft.com/office/powerpoint/2010/main" val="221506659"/>
       </p:ext>
     </p:extLst>
   </p:cSld>
@@ -2159,7 +2159,7 @@
           <p:cNvPr id="2" name="标题 1">
             <a:extLst>
               <a:ext uri="{FF2B5EF4-FFF2-40B4-BE49-F238E27FC236}">
-                <a16:creationId xmlns:a16="http://schemas.microsoft.com/office/drawing/2014/main" id="{4B2BC0AA-D7AB-39AD-EE47-E94BD2CBA0DF}"/>
+                <a16:creationId xmlns:a16="http://schemas.microsoft.com/office/drawing/2014/main" id="{719D2F22-9475-3DF4-F4A9-747104171103}"/>
               </a:ext>
             </a:extLst>
           </p:cNvPr>
@@ -2196,7 +2196,7 @@
           <p:cNvPr id="3" name="内容占位符 2">
             <a:extLst>
               <a:ext uri="{FF2B5EF4-FFF2-40B4-BE49-F238E27FC236}">
-                <a16:creationId xmlns:a16="http://schemas.microsoft.com/office/drawing/2014/main" id="{F389BD2D-A372-A9BF-06FB-11C6D0CA00F8}"/>
+                <a16:creationId xmlns:a16="http://schemas.microsoft.com/office/drawing/2014/main" id="{4C768EBE-AE86-6439-DAD3-DD7B750CB28B}"/>
               </a:ext>
             </a:extLst>
           </p:cNvPr>
@@ -2286,7 +2286,7 @@
           <p:cNvPr id="4" name="文本占位符 3">
             <a:extLst>
               <a:ext uri="{FF2B5EF4-FFF2-40B4-BE49-F238E27FC236}">
-                <a16:creationId xmlns:a16="http://schemas.microsoft.com/office/drawing/2014/main" id="{7BE1649F-A97D-4EE6-065E-B1C22D0CE220}"/>
+                <a16:creationId xmlns:a16="http://schemas.microsoft.com/office/drawing/2014/main" id="{C241C1BB-89DC-19AF-7707-5AEFFCDD43B9}"/>
               </a:ext>
             </a:extLst>
           </p:cNvPr>
@@ -2357,7 +2357,7 @@
           <p:cNvPr id="5" name="日期占位符 4">
             <a:extLst>
               <a:ext uri="{FF2B5EF4-FFF2-40B4-BE49-F238E27FC236}">
-                <a16:creationId xmlns:a16="http://schemas.microsoft.com/office/drawing/2014/main" id="{4FC57660-28F6-D490-14CE-B1442F0D2EA8}"/>
+                <a16:creationId xmlns:a16="http://schemas.microsoft.com/office/drawing/2014/main" id="{853AC1A7-C96A-8316-161C-448812FA5DAD}"/>
               </a:ext>
             </a:extLst>
           </p:cNvPr>
@@ -2373,7 +2373,7 @@
           <a:bodyPr/>
           <a:lstStyle/>
           <a:p>
-            <a:fld id="{169C2A4E-0433-4471-BF3F-4D6783376D00}" type="datetimeFigureOut">
+            <a:fld id="{98DA9A4F-022B-44FE-A926-EBF6C419FA13}" type="datetimeFigureOut">
               <a:rPr lang="zh-CN" altLang="en-US" smtClean="0"/>
               <a:t>2024/3/10</a:t>
             </a:fld>
@@ -2386,7 +2386,7 @@
           <p:cNvPr id="6" name="页脚占位符 5">
             <a:extLst>
               <a:ext uri="{FF2B5EF4-FFF2-40B4-BE49-F238E27FC236}">
-                <a16:creationId xmlns:a16="http://schemas.microsoft.com/office/drawing/2014/main" id="{D27A6A0D-3C4C-3F45-610C-8D39688D4E3C}"/>
+                <a16:creationId xmlns:a16="http://schemas.microsoft.com/office/drawing/2014/main" id="{4B150FF7-F1CD-D208-71F6-D6B5B132EF9D}"/>
               </a:ext>
             </a:extLst>
           </p:cNvPr>
@@ -2411,7 +2411,7 @@
           <p:cNvPr id="7" name="灯片编号占位符 6">
             <a:extLst>
               <a:ext uri="{FF2B5EF4-FFF2-40B4-BE49-F238E27FC236}">
-                <a16:creationId xmlns:a16="http://schemas.microsoft.com/office/drawing/2014/main" id="{174D6C2E-6129-A2BF-05D7-4C4F0F401283}"/>
+                <a16:creationId xmlns:a16="http://schemas.microsoft.com/office/drawing/2014/main" id="{638985CE-2BFC-E1AC-08E2-3FDF2BA751F2}"/>
               </a:ext>
             </a:extLst>
           </p:cNvPr>
@@ -2427,7 +2427,7 @@
           <a:bodyPr/>
           <a:lstStyle/>
           <a:p>
-            <a:fld id="{C90B36DD-C889-44C8-9604-B5CB7D809835}" type="slidenum">
+            <a:fld id="{F8D883A0-6DB2-40CD-A722-C09F53C4E946}" type="slidenum">
               <a:rPr lang="zh-CN" altLang="en-US" smtClean="0"/>
               <a:t>‹#›</a:t>
             </a:fld>
@@ -2438,7 +2438,7 @@
     </p:spTree>
     <p:extLst>
       <p:ext uri="{BB962C8B-B14F-4D97-AF65-F5344CB8AC3E}">
-        <p14:creationId xmlns:p14="http://schemas.microsoft.com/office/powerpoint/2010/main" val="2832325300"/>
+        <p14:creationId xmlns:p14="http://schemas.microsoft.com/office/powerpoint/2010/main" val="1356166518"/>
       </p:ext>
     </p:extLst>
   </p:cSld>
@@ -2470,7 +2470,7 @@
           <p:cNvPr id="2" name="标题 1">
             <a:extLst>
               <a:ext uri="{FF2B5EF4-FFF2-40B4-BE49-F238E27FC236}">
-                <a16:creationId xmlns:a16="http://schemas.microsoft.com/office/drawing/2014/main" id="{1CB52D10-7555-9536-3DF3-5A3CFB9D3FAE}"/>
+                <a16:creationId xmlns:a16="http://schemas.microsoft.com/office/drawing/2014/main" id="{43ADE65D-8341-B0F0-F03B-80E3AD6F1931}"/>
               </a:ext>
             </a:extLst>
           </p:cNvPr>
@@ -2507,7 +2507,7 @@
           <p:cNvPr id="3" name="图片占位符 2">
             <a:extLst>
               <a:ext uri="{FF2B5EF4-FFF2-40B4-BE49-F238E27FC236}">
-                <a16:creationId xmlns:a16="http://schemas.microsoft.com/office/drawing/2014/main" id="{CCE30109-042E-38C1-D184-1EB32BBFC642}"/>
+                <a16:creationId xmlns:a16="http://schemas.microsoft.com/office/drawing/2014/main" id="{A750437C-5644-3825-A4A3-69EC79389431}"/>
               </a:ext>
             </a:extLst>
           </p:cNvPr>
@@ -2574,7 +2574,7 @@
           <p:cNvPr id="4" name="文本占位符 3">
             <a:extLst>
               <a:ext uri="{FF2B5EF4-FFF2-40B4-BE49-F238E27FC236}">
-                <a16:creationId xmlns:a16="http://schemas.microsoft.com/office/drawing/2014/main" id="{39F035B2-327F-65AA-077E-78485AF5D76D}"/>
+                <a16:creationId xmlns:a16="http://schemas.microsoft.com/office/drawing/2014/main" id="{60F80E86-1DB0-2DC4-F827-C46F0BD092DA}"/>
               </a:ext>
             </a:extLst>
           </p:cNvPr>
@@ -2645,7 +2645,7 @@
           <p:cNvPr id="5" name="日期占位符 4">
             <a:extLst>
               <a:ext uri="{FF2B5EF4-FFF2-40B4-BE49-F238E27FC236}">
-                <a16:creationId xmlns:a16="http://schemas.microsoft.com/office/drawing/2014/main" id="{BBF23F01-E7EC-28EA-BAE6-1FB52EFDD9B7}"/>
+                <a16:creationId xmlns:a16="http://schemas.microsoft.com/office/drawing/2014/main" id="{632843B2-56D1-5FCB-6922-E08F78CF6877}"/>
               </a:ext>
             </a:extLst>
           </p:cNvPr>
@@ -2661,7 +2661,7 @@
           <a:bodyPr/>
           <a:lstStyle/>
           <a:p>
-            <a:fld id="{169C2A4E-0433-4471-BF3F-4D6783376D00}" type="datetimeFigureOut">
+            <a:fld id="{98DA9A4F-022B-44FE-A926-EBF6C419FA13}" type="datetimeFigureOut">
               <a:rPr lang="zh-CN" altLang="en-US" smtClean="0"/>
               <a:t>2024/3/10</a:t>
             </a:fld>
@@ -2674,7 +2674,7 @@
           <p:cNvPr id="6" name="页脚占位符 5">
             <a:extLst>
               <a:ext uri="{FF2B5EF4-FFF2-40B4-BE49-F238E27FC236}">
-                <a16:creationId xmlns:a16="http://schemas.microsoft.com/office/drawing/2014/main" id="{9C8CF694-C833-3ACF-27AD-0E0DA558C6A8}"/>
+                <a16:creationId xmlns:a16="http://schemas.microsoft.com/office/drawing/2014/main" id="{1D870D81-37E6-B09D-64E6-6F74A5D04BC2}"/>
               </a:ext>
             </a:extLst>
           </p:cNvPr>
@@ -2699,7 +2699,7 @@
           <p:cNvPr id="7" name="灯片编号占位符 6">
             <a:extLst>
               <a:ext uri="{FF2B5EF4-FFF2-40B4-BE49-F238E27FC236}">
-                <a16:creationId xmlns:a16="http://schemas.microsoft.com/office/drawing/2014/main" id="{298A65AD-0CBC-AE77-7931-7C64B93F786E}"/>
+                <a16:creationId xmlns:a16="http://schemas.microsoft.com/office/drawing/2014/main" id="{A0A0818B-8DB1-0CDB-154C-B5DBAD7885F3}"/>
               </a:ext>
             </a:extLst>
           </p:cNvPr>
@@ -2715,7 +2715,7 @@
           <a:bodyPr/>
           <a:lstStyle/>
           <a:p>
-            <a:fld id="{C90B36DD-C889-44C8-9604-B5CB7D809835}" type="slidenum">
+            <a:fld id="{F8D883A0-6DB2-40CD-A722-C09F53C4E946}" type="slidenum">
               <a:rPr lang="zh-CN" altLang="en-US" smtClean="0"/>
               <a:t>‹#›</a:t>
             </a:fld>
@@ -2726,7 +2726,7 @@
     </p:spTree>
     <p:extLst>
       <p:ext uri="{BB962C8B-B14F-4D97-AF65-F5344CB8AC3E}">
-        <p14:creationId xmlns:p14="http://schemas.microsoft.com/office/powerpoint/2010/main" val="1466650318"/>
+        <p14:creationId xmlns:p14="http://schemas.microsoft.com/office/powerpoint/2010/main" val="3846517553"/>
       </p:ext>
     </p:extLst>
   </p:cSld>
@@ -2763,7 +2763,7 @@
           <p:cNvPr id="2" name="标题占位符 1">
             <a:extLst>
               <a:ext uri="{FF2B5EF4-FFF2-40B4-BE49-F238E27FC236}">
-                <a16:creationId xmlns:a16="http://schemas.microsoft.com/office/drawing/2014/main" id="{FC9E698E-D247-68DE-DC5A-9EE6120D911D}"/>
+                <a16:creationId xmlns:a16="http://schemas.microsoft.com/office/drawing/2014/main" id="{C4312E21-8499-B86E-1795-B21961818AAB}"/>
               </a:ext>
             </a:extLst>
           </p:cNvPr>
@@ -2801,7 +2801,7 @@
           <p:cNvPr id="3" name="文本占位符 2">
             <a:extLst>
               <a:ext uri="{FF2B5EF4-FFF2-40B4-BE49-F238E27FC236}">
-                <a16:creationId xmlns:a16="http://schemas.microsoft.com/office/drawing/2014/main" id="{56515464-A27F-0960-831C-53258616C487}"/>
+                <a16:creationId xmlns:a16="http://schemas.microsoft.com/office/drawing/2014/main" id="{8AB378E2-2D2A-A8AD-0E7E-1932038D621C}"/>
               </a:ext>
             </a:extLst>
           </p:cNvPr>
@@ -2868,7 +2868,7 @@
           <p:cNvPr id="4" name="日期占位符 3">
             <a:extLst>
               <a:ext uri="{FF2B5EF4-FFF2-40B4-BE49-F238E27FC236}">
-                <a16:creationId xmlns:a16="http://schemas.microsoft.com/office/drawing/2014/main" id="{D860939A-42CA-E56B-43D3-AE30D9C370D8}"/>
+                <a16:creationId xmlns:a16="http://schemas.microsoft.com/office/drawing/2014/main" id="{BE144F8A-E734-D534-AF6E-FD2BE6CF68AA}"/>
               </a:ext>
             </a:extLst>
           </p:cNvPr>
@@ -2902,7 +2902,7 @@
             </a:lvl1pPr>
           </a:lstStyle>
           <a:p>
-            <a:fld id="{169C2A4E-0433-4471-BF3F-4D6783376D00}" type="datetimeFigureOut">
+            <a:fld id="{98DA9A4F-022B-44FE-A926-EBF6C419FA13}" type="datetimeFigureOut">
               <a:rPr lang="zh-CN" altLang="en-US" smtClean="0"/>
               <a:t>2024/3/10</a:t>
             </a:fld>
@@ -2915,7 +2915,7 @@
           <p:cNvPr id="5" name="页脚占位符 4">
             <a:extLst>
               <a:ext uri="{FF2B5EF4-FFF2-40B4-BE49-F238E27FC236}">
-                <a16:creationId xmlns:a16="http://schemas.microsoft.com/office/drawing/2014/main" id="{94441D16-BB19-AA10-6E29-1D8D1AC5AB10}"/>
+                <a16:creationId xmlns:a16="http://schemas.microsoft.com/office/drawing/2014/main" id="{20CFF23F-8029-F4CC-67F4-4677D6567D42}"/>
               </a:ext>
             </a:extLst>
           </p:cNvPr>
@@ -2958,7 +2958,7 @@
           <p:cNvPr id="6" name="灯片编号占位符 5">
             <a:extLst>
               <a:ext uri="{FF2B5EF4-FFF2-40B4-BE49-F238E27FC236}">
-                <a16:creationId xmlns:a16="http://schemas.microsoft.com/office/drawing/2014/main" id="{8335EF01-0225-AF98-6E81-8899D9E6C8FC}"/>
+                <a16:creationId xmlns:a16="http://schemas.microsoft.com/office/drawing/2014/main" id="{D07AFE3E-F86D-F38D-BDE9-0D33789E6AD2}"/>
               </a:ext>
             </a:extLst>
           </p:cNvPr>
@@ -2992,7 +2992,7 @@
             </a:lvl1pPr>
           </a:lstStyle>
           <a:p>
-            <a:fld id="{C90B36DD-C889-44C8-9604-B5CB7D809835}" type="slidenum">
+            <a:fld id="{F8D883A0-6DB2-40CD-A722-C09F53C4E946}" type="slidenum">
               <a:rPr lang="zh-CN" altLang="en-US" smtClean="0"/>
               <a:t>‹#›</a:t>
             </a:fld>
@@ -3003,7 +3003,7 @@
     </p:spTree>
     <p:extLst>
       <p:ext uri="{BB962C8B-B14F-4D97-AF65-F5344CB8AC3E}">
-        <p14:creationId xmlns:p14="http://schemas.microsoft.com/office/powerpoint/2010/main" val="1649357499"/>
+        <p14:creationId xmlns:p14="http://schemas.microsoft.com/office/powerpoint/2010/main" val="1854785058"/>
       </p:ext>
     </p:extLst>
   </p:cSld>
